--- a/manuscript/Fig7.pptx
+++ b/manuscript/Fig7.pptx
@@ -10857,7 +10857,7 @@
           <p:nvPr>
             <p:extLst>
               <p:ext uri="{D42A27DB-BD31-4B8C-83A1-F6EECF244321}">
-                <p14:modId xmlns:p14="http://schemas.microsoft.com/office/powerpoint/2010/main" val="2998197417"/>
+                <p14:modId xmlns:p14="http://schemas.microsoft.com/office/powerpoint/2010/main" val="2613963638"/>
               </p:ext>
             </p:extLst>
           </p:nvPr>
@@ -10909,44 +10909,36 @@
                     </a:p>
                   </a:txBody>
                   <a:tcPr anchor="ctr">
-                    <a:lnL w="12700" cap="flat" cmpd="sng" algn="ctr">
+                    <a:lnL w="19050" cap="flat" cmpd="sng" algn="ctr">
                       <a:solidFill>
-                        <a:schemeClr val="bg1">
-                          <a:lumMod val="75000"/>
-                        </a:schemeClr>
+                        <a:schemeClr val="tx1"/>
                       </a:solidFill>
                       <a:prstDash val="solid"/>
                       <a:round/>
                       <a:headEnd type="none" w="med" len="med"/>
                       <a:tailEnd type="none" w="med" len="med"/>
                     </a:lnL>
-                    <a:lnR w="12700" cap="flat" cmpd="sng" algn="ctr">
+                    <a:lnR w="19050" cap="flat" cmpd="sng" algn="ctr">
                       <a:solidFill>
-                        <a:schemeClr val="bg1">
-                          <a:lumMod val="75000"/>
-                        </a:schemeClr>
+                        <a:schemeClr val="tx1"/>
                       </a:solidFill>
                       <a:prstDash val="solid"/>
                       <a:round/>
                       <a:headEnd type="none" w="med" len="med"/>
                       <a:tailEnd type="none" w="med" len="med"/>
                     </a:lnR>
-                    <a:lnT w="12700" cap="flat" cmpd="sng" algn="ctr">
+                    <a:lnT w="19050" cap="flat" cmpd="sng" algn="ctr">
                       <a:solidFill>
-                        <a:schemeClr val="bg1">
-                          <a:lumMod val="75000"/>
-                        </a:schemeClr>
+                        <a:schemeClr val="tx1"/>
                       </a:solidFill>
                       <a:prstDash val="solid"/>
                       <a:round/>
                       <a:headEnd type="none" w="med" len="med"/>
                       <a:tailEnd type="none" w="med" len="med"/>
                     </a:lnT>
-                    <a:lnB w="12700" cap="flat" cmpd="sng" algn="ctr">
+                    <a:lnB w="19050" cap="flat" cmpd="sng" algn="ctr">
                       <a:solidFill>
-                        <a:schemeClr val="bg1">
-                          <a:lumMod val="75000"/>
-                        </a:schemeClr>
+                        <a:schemeClr val="tx1"/>
                       </a:solidFill>
                       <a:prstDash val="solid"/>
                       <a:round/>
@@ -10975,44 +10967,36 @@
                     </a:p>
                   </a:txBody>
                   <a:tcPr anchor="ctr">
-                    <a:lnL w="12700" cap="flat" cmpd="sng" algn="ctr">
+                    <a:lnL w="19050" cap="flat" cmpd="sng" algn="ctr">
                       <a:solidFill>
-                        <a:schemeClr val="bg1">
-                          <a:lumMod val="75000"/>
-                        </a:schemeClr>
+                        <a:schemeClr val="tx1"/>
                       </a:solidFill>
                       <a:prstDash val="solid"/>
                       <a:round/>
                       <a:headEnd type="none" w="med" len="med"/>
                       <a:tailEnd type="none" w="med" len="med"/>
                     </a:lnL>
-                    <a:lnR w="12700" cap="flat" cmpd="sng" algn="ctr">
+                    <a:lnR w="19050" cap="flat" cmpd="sng" algn="ctr">
                       <a:solidFill>
-                        <a:schemeClr val="bg1">
-                          <a:lumMod val="75000"/>
-                        </a:schemeClr>
+                        <a:schemeClr val="tx1"/>
                       </a:solidFill>
                       <a:prstDash val="solid"/>
                       <a:round/>
                       <a:headEnd type="none" w="med" len="med"/>
                       <a:tailEnd type="none" w="med" len="med"/>
                     </a:lnR>
-                    <a:lnT w="12700" cap="flat" cmpd="sng" algn="ctr">
+                    <a:lnT w="19050" cap="flat" cmpd="sng" algn="ctr">
                       <a:solidFill>
-                        <a:schemeClr val="bg1">
-                          <a:lumMod val="75000"/>
-                        </a:schemeClr>
+                        <a:schemeClr val="tx1"/>
                       </a:solidFill>
                       <a:prstDash val="solid"/>
                       <a:round/>
                       <a:headEnd type="none" w="med" len="med"/>
                       <a:tailEnd type="none" w="med" len="med"/>
                     </a:lnT>
-                    <a:lnB w="12700" cap="flat" cmpd="sng" algn="ctr">
+                    <a:lnB w="19050" cap="flat" cmpd="sng" algn="ctr">
                       <a:solidFill>
-                        <a:schemeClr val="bg1">
-                          <a:lumMod val="75000"/>
-                        </a:schemeClr>
+                        <a:schemeClr val="tx1"/>
                       </a:solidFill>
                       <a:prstDash val="solid"/>
                       <a:round/>
@@ -11054,44 +11038,36 @@
                     </a:p>
                   </a:txBody>
                   <a:tcPr anchor="ctr">
-                    <a:lnL w="12700" cap="flat" cmpd="sng" algn="ctr">
+                    <a:lnL w="19050" cap="flat" cmpd="sng" algn="ctr">
                       <a:solidFill>
-                        <a:schemeClr val="bg1">
-                          <a:lumMod val="75000"/>
-                        </a:schemeClr>
+                        <a:schemeClr val="tx1"/>
                       </a:solidFill>
                       <a:prstDash val="solid"/>
                       <a:round/>
                       <a:headEnd type="none" w="med" len="med"/>
                       <a:tailEnd type="none" w="med" len="med"/>
                     </a:lnL>
-                    <a:lnR w="12700" cap="flat" cmpd="sng" algn="ctr">
+                    <a:lnR w="19050" cap="flat" cmpd="sng" algn="ctr">
                       <a:solidFill>
-                        <a:schemeClr val="bg1">
-                          <a:lumMod val="75000"/>
-                        </a:schemeClr>
+                        <a:schemeClr val="tx1"/>
                       </a:solidFill>
                       <a:prstDash val="solid"/>
                       <a:round/>
                       <a:headEnd type="none" w="med" len="med"/>
                       <a:tailEnd type="none" w="med" len="med"/>
                     </a:lnR>
-                    <a:lnT w="12700" cap="flat" cmpd="sng" algn="ctr">
+                    <a:lnT w="19050" cap="flat" cmpd="sng" algn="ctr">
                       <a:solidFill>
-                        <a:schemeClr val="bg1">
-                          <a:lumMod val="75000"/>
-                        </a:schemeClr>
+                        <a:schemeClr val="tx1"/>
                       </a:solidFill>
                       <a:prstDash val="solid"/>
                       <a:round/>
                       <a:headEnd type="none" w="med" len="med"/>
                       <a:tailEnd type="none" w="med" len="med"/>
                     </a:lnT>
-                    <a:lnB w="12700" cap="flat" cmpd="sng" algn="ctr">
+                    <a:lnB w="19050" cap="flat" cmpd="sng" algn="ctr">
                       <a:solidFill>
-                        <a:schemeClr val="bg1">
-                          <a:lumMod val="75000"/>
-                        </a:schemeClr>
+                        <a:schemeClr val="tx1"/>
                       </a:solidFill>
                       <a:prstDash val="solid"/>
                       <a:round/>
@@ -11146,44 +11122,36 @@
                     </a:p>
                   </a:txBody>
                   <a:tcPr anchor="ctr">
-                    <a:lnL w="12700" cap="flat" cmpd="sng" algn="ctr">
+                    <a:lnL w="19050" cap="flat" cmpd="sng" algn="ctr">
                       <a:solidFill>
-                        <a:schemeClr val="bg1">
-                          <a:lumMod val="75000"/>
-                        </a:schemeClr>
+                        <a:schemeClr val="tx1"/>
                       </a:solidFill>
                       <a:prstDash val="solid"/>
                       <a:round/>
                       <a:headEnd type="none" w="med" len="med"/>
                       <a:tailEnd type="none" w="med" len="med"/>
                     </a:lnL>
-                    <a:lnR w="12700" cap="flat" cmpd="sng" algn="ctr">
+                    <a:lnR w="19050" cap="flat" cmpd="sng" algn="ctr">
                       <a:solidFill>
-                        <a:schemeClr val="bg1">
-                          <a:lumMod val="75000"/>
-                        </a:schemeClr>
+                        <a:schemeClr val="tx1"/>
                       </a:solidFill>
                       <a:prstDash val="solid"/>
                       <a:round/>
                       <a:headEnd type="none" w="med" len="med"/>
                       <a:tailEnd type="none" w="med" len="med"/>
                     </a:lnR>
-                    <a:lnT w="12700" cap="flat" cmpd="sng" algn="ctr">
+                    <a:lnT w="19050" cap="flat" cmpd="sng" algn="ctr">
                       <a:solidFill>
-                        <a:schemeClr val="bg1">
-                          <a:lumMod val="75000"/>
-                        </a:schemeClr>
+                        <a:schemeClr val="tx1"/>
                       </a:solidFill>
                       <a:prstDash val="solid"/>
                       <a:round/>
                       <a:headEnd type="none" w="med" len="med"/>
                       <a:tailEnd type="none" w="med" len="med"/>
                     </a:lnT>
-                    <a:lnB w="12700" cap="flat" cmpd="sng" algn="ctr">
+                    <a:lnB w="19050" cap="flat" cmpd="sng" algn="ctr">
                       <a:solidFill>
-                        <a:schemeClr val="bg1">
-                          <a:lumMod val="75000"/>
-                        </a:schemeClr>
+                        <a:schemeClr val="tx1"/>
                       </a:solidFill>
                       <a:prstDash val="solid"/>
                       <a:round/>
@@ -11225,44 +11193,36 @@
                     </a:p>
                   </a:txBody>
                   <a:tcPr anchor="ctr">
-                    <a:lnL w="12700" cap="flat" cmpd="sng" algn="ctr">
+                    <a:lnL w="19050" cap="flat" cmpd="sng" algn="ctr">
                       <a:solidFill>
-                        <a:schemeClr val="bg1">
-                          <a:lumMod val="75000"/>
-                        </a:schemeClr>
+                        <a:schemeClr val="tx1"/>
                       </a:solidFill>
                       <a:prstDash val="solid"/>
                       <a:round/>
                       <a:headEnd type="none" w="med" len="med"/>
                       <a:tailEnd type="none" w="med" len="med"/>
                     </a:lnL>
-                    <a:lnR w="12700" cap="flat" cmpd="sng" algn="ctr">
+                    <a:lnR w="19050" cap="flat" cmpd="sng" algn="ctr">
                       <a:solidFill>
-                        <a:schemeClr val="bg1">
-                          <a:lumMod val="75000"/>
-                        </a:schemeClr>
+                        <a:schemeClr val="tx1"/>
                       </a:solidFill>
                       <a:prstDash val="solid"/>
                       <a:round/>
                       <a:headEnd type="none" w="med" len="med"/>
                       <a:tailEnd type="none" w="med" len="med"/>
                     </a:lnR>
-                    <a:lnT w="12700" cap="flat" cmpd="sng" algn="ctr">
+                    <a:lnT w="19050" cap="flat" cmpd="sng" algn="ctr">
                       <a:solidFill>
-                        <a:schemeClr val="bg1">
-                          <a:lumMod val="75000"/>
-                        </a:schemeClr>
+                        <a:schemeClr val="tx1"/>
                       </a:solidFill>
                       <a:prstDash val="solid"/>
                       <a:round/>
                       <a:headEnd type="none" w="med" len="med"/>
                       <a:tailEnd type="none" w="med" len="med"/>
                     </a:lnT>
-                    <a:lnB w="12700" cap="flat" cmpd="sng" algn="ctr">
+                    <a:lnB w="19050" cap="flat" cmpd="sng" algn="ctr">
                       <a:solidFill>
-                        <a:schemeClr val="bg1">
-                          <a:lumMod val="75000"/>
-                        </a:schemeClr>
+                        <a:schemeClr val="tx1"/>
                       </a:solidFill>
                       <a:prstDash val="solid"/>
                       <a:round/>
@@ -11380,44 +11340,36 @@
                     </a:p>
                   </a:txBody>
                   <a:tcPr anchor="ctr">
-                    <a:lnL w="12700" cap="flat" cmpd="sng" algn="ctr">
+                    <a:lnL w="19050" cap="flat" cmpd="sng" algn="ctr">
                       <a:solidFill>
-                        <a:schemeClr val="bg1">
-                          <a:lumMod val="75000"/>
-                        </a:schemeClr>
+                        <a:schemeClr val="tx1"/>
                       </a:solidFill>
                       <a:prstDash val="solid"/>
                       <a:round/>
                       <a:headEnd type="none" w="med" len="med"/>
                       <a:tailEnd type="none" w="med" len="med"/>
                     </a:lnL>
-                    <a:lnR w="12700" cap="flat" cmpd="sng" algn="ctr">
+                    <a:lnR w="19050" cap="flat" cmpd="sng" algn="ctr">
                       <a:solidFill>
-                        <a:schemeClr val="bg1">
-                          <a:lumMod val="75000"/>
-                        </a:schemeClr>
+                        <a:schemeClr val="tx1"/>
                       </a:solidFill>
                       <a:prstDash val="solid"/>
                       <a:round/>
                       <a:headEnd type="none" w="med" len="med"/>
                       <a:tailEnd type="none" w="med" len="med"/>
                     </a:lnR>
-                    <a:lnT w="12700" cap="flat" cmpd="sng" algn="ctr">
+                    <a:lnT w="19050" cap="flat" cmpd="sng" algn="ctr">
                       <a:solidFill>
-                        <a:schemeClr val="bg1">
-                          <a:lumMod val="75000"/>
-                        </a:schemeClr>
+                        <a:schemeClr val="tx1"/>
                       </a:solidFill>
                       <a:prstDash val="solid"/>
                       <a:round/>
                       <a:headEnd type="none" w="med" len="med"/>
                       <a:tailEnd type="none" w="med" len="med"/>
                     </a:lnT>
-                    <a:lnB w="12700" cap="flat" cmpd="sng" algn="ctr">
+                    <a:lnB w="19050" cap="flat" cmpd="sng" algn="ctr">
                       <a:solidFill>
-                        <a:schemeClr val="bg1">
-                          <a:lumMod val="75000"/>
-                        </a:schemeClr>
+                        <a:schemeClr val="tx1"/>
                       </a:solidFill>
                       <a:prstDash val="solid"/>
                       <a:round/>
@@ -11544,44 +11496,36 @@
                     </a:p>
                   </a:txBody>
                   <a:tcPr anchor="ctr">
-                    <a:lnL w="12700" cap="flat" cmpd="sng" algn="ctr">
+                    <a:lnL w="19050" cap="flat" cmpd="sng" algn="ctr">
                       <a:solidFill>
-                        <a:schemeClr val="bg1">
-                          <a:lumMod val="75000"/>
-                        </a:schemeClr>
+                        <a:schemeClr val="tx1"/>
                       </a:solidFill>
                       <a:prstDash val="solid"/>
                       <a:round/>
                       <a:headEnd type="none" w="med" len="med"/>
                       <a:tailEnd type="none" w="med" len="med"/>
                     </a:lnL>
-                    <a:lnR w="12700" cap="flat" cmpd="sng" algn="ctr">
+                    <a:lnR w="19050" cap="flat" cmpd="sng" algn="ctr">
                       <a:solidFill>
-                        <a:schemeClr val="bg1">
-                          <a:lumMod val="75000"/>
-                        </a:schemeClr>
+                        <a:schemeClr val="tx1"/>
                       </a:solidFill>
                       <a:prstDash val="solid"/>
                       <a:round/>
                       <a:headEnd type="none" w="med" len="med"/>
                       <a:tailEnd type="none" w="med" len="med"/>
                     </a:lnR>
-                    <a:lnT w="12700" cap="flat" cmpd="sng" algn="ctr">
+                    <a:lnT w="19050" cap="flat" cmpd="sng" algn="ctr">
                       <a:solidFill>
-                        <a:schemeClr val="bg1">
-                          <a:lumMod val="75000"/>
-                        </a:schemeClr>
+                        <a:schemeClr val="tx1"/>
                       </a:solidFill>
                       <a:prstDash val="solid"/>
                       <a:round/>
                       <a:headEnd type="none" w="med" len="med"/>
                       <a:tailEnd type="none" w="med" len="med"/>
                     </a:lnT>
-                    <a:lnB w="12700" cap="flat" cmpd="sng" algn="ctr">
+                    <a:lnB w="19050" cap="flat" cmpd="sng" algn="ctr">
                       <a:solidFill>
-                        <a:schemeClr val="bg1">
-                          <a:lumMod val="75000"/>
-                        </a:schemeClr>
+                        <a:schemeClr val="tx1"/>
                       </a:solidFill>
                       <a:prstDash val="solid"/>
                       <a:round/>
@@ -11646,44 +11590,36 @@
                     </a:p>
                   </a:txBody>
                   <a:tcPr anchor="ctr">
-                    <a:lnL w="12700" cap="flat" cmpd="sng" algn="ctr">
+                    <a:lnL w="19050" cap="flat" cmpd="sng" algn="ctr">
                       <a:solidFill>
-                        <a:schemeClr val="bg1">
-                          <a:lumMod val="75000"/>
-                        </a:schemeClr>
+                        <a:schemeClr val="tx1"/>
                       </a:solidFill>
                       <a:prstDash val="solid"/>
                       <a:round/>
                       <a:headEnd type="none" w="med" len="med"/>
                       <a:tailEnd type="none" w="med" len="med"/>
                     </a:lnL>
-                    <a:lnR w="12700" cap="flat" cmpd="sng" algn="ctr">
+                    <a:lnR w="19050" cap="flat" cmpd="sng" algn="ctr">
                       <a:solidFill>
-                        <a:schemeClr val="bg1">
-                          <a:lumMod val="75000"/>
-                        </a:schemeClr>
+                        <a:schemeClr val="tx1"/>
                       </a:solidFill>
                       <a:prstDash val="solid"/>
                       <a:round/>
                       <a:headEnd type="none" w="med" len="med"/>
                       <a:tailEnd type="none" w="med" len="med"/>
                     </a:lnR>
-                    <a:lnT w="12700" cap="flat" cmpd="sng" algn="ctr">
+                    <a:lnT w="19050" cap="flat" cmpd="sng" algn="ctr">
                       <a:solidFill>
-                        <a:schemeClr val="bg1">
-                          <a:lumMod val="75000"/>
-                        </a:schemeClr>
+                        <a:schemeClr val="tx1"/>
                       </a:solidFill>
                       <a:prstDash val="solid"/>
                       <a:round/>
                       <a:headEnd type="none" w="med" len="med"/>
                       <a:tailEnd type="none" w="med" len="med"/>
                     </a:lnT>
-                    <a:lnB w="12700" cap="flat" cmpd="sng" algn="ctr">
+                    <a:lnB w="19050" cap="flat" cmpd="sng" algn="ctr">
                       <a:solidFill>
-                        <a:schemeClr val="bg1">
-                          <a:lumMod val="75000"/>
-                        </a:schemeClr>
+                        <a:schemeClr val="tx1"/>
                       </a:solidFill>
                       <a:prstDash val="solid"/>
                       <a:round/>
@@ -11751,44 +11687,36 @@
                     </a:p>
                   </a:txBody>
                   <a:tcPr anchor="ctr">
-                    <a:lnL w="12700" cap="flat" cmpd="sng" algn="ctr">
+                    <a:lnL w="19050" cap="flat" cmpd="sng" algn="ctr">
                       <a:solidFill>
-                        <a:schemeClr val="bg1">
-                          <a:lumMod val="75000"/>
-                        </a:schemeClr>
+                        <a:schemeClr val="tx1"/>
                       </a:solidFill>
                       <a:prstDash val="solid"/>
                       <a:round/>
                       <a:headEnd type="none" w="med" len="med"/>
                       <a:tailEnd type="none" w="med" len="med"/>
                     </a:lnL>
-                    <a:lnR w="12700" cap="flat" cmpd="sng" algn="ctr">
+                    <a:lnR w="19050" cap="flat" cmpd="sng" algn="ctr">
                       <a:solidFill>
-                        <a:schemeClr val="bg1">
-                          <a:lumMod val="75000"/>
-                        </a:schemeClr>
+                        <a:schemeClr val="tx1"/>
                       </a:solidFill>
                       <a:prstDash val="solid"/>
                       <a:round/>
                       <a:headEnd type="none" w="med" len="med"/>
                       <a:tailEnd type="none" w="med" len="med"/>
                     </a:lnR>
-                    <a:lnT w="12700" cap="flat" cmpd="sng" algn="ctr">
+                    <a:lnT w="19050" cap="flat" cmpd="sng" algn="ctr">
                       <a:solidFill>
-                        <a:schemeClr val="bg1">
-                          <a:lumMod val="75000"/>
-                        </a:schemeClr>
+                        <a:schemeClr val="tx1"/>
                       </a:solidFill>
                       <a:prstDash val="solid"/>
                       <a:round/>
                       <a:headEnd type="none" w="med" len="med"/>
                       <a:tailEnd type="none" w="med" len="med"/>
                     </a:lnT>
-                    <a:lnB w="12700" cap="flat" cmpd="sng" algn="ctr">
+                    <a:lnB w="19050" cap="flat" cmpd="sng" algn="ctr">
                       <a:solidFill>
-                        <a:schemeClr val="bg1">
-                          <a:lumMod val="75000"/>
-                        </a:schemeClr>
+                        <a:schemeClr val="tx1"/>
                       </a:solidFill>
                       <a:prstDash val="solid"/>
                       <a:round/>
@@ -11962,44 +11890,36 @@
                     </a:p>
                   </a:txBody>
                   <a:tcPr anchor="ctr">
-                    <a:lnL w="12700" cap="flat" cmpd="sng" algn="ctr">
+                    <a:lnL w="19050" cap="flat" cmpd="sng" algn="ctr">
                       <a:solidFill>
-                        <a:schemeClr val="bg1">
-                          <a:lumMod val="75000"/>
-                        </a:schemeClr>
+                        <a:schemeClr val="tx1"/>
                       </a:solidFill>
                       <a:prstDash val="solid"/>
                       <a:round/>
                       <a:headEnd type="none" w="med" len="med"/>
                       <a:tailEnd type="none" w="med" len="med"/>
                     </a:lnL>
-                    <a:lnR w="12700" cap="flat" cmpd="sng" algn="ctr">
+                    <a:lnR w="19050" cap="flat" cmpd="sng" algn="ctr">
                       <a:solidFill>
-                        <a:schemeClr val="bg1">
-                          <a:lumMod val="75000"/>
-                        </a:schemeClr>
+                        <a:schemeClr val="tx1"/>
                       </a:solidFill>
                       <a:prstDash val="solid"/>
                       <a:round/>
                       <a:headEnd type="none" w="med" len="med"/>
                       <a:tailEnd type="none" w="med" len="med"/>
                     </a:lnR>
-                    <a:lnT w="12700" cap="flat" cmpd="sng" algn="ctr">
+                    <a:lnT w="19050" cap="flat" cmpd="sng" algn="ctr">
                       <a:solidFill>
-                        <a:schemeClr val="bg1">
-                          <a:lumMod val="75000"/>
-                        </a:schemeClr>
+                        <a:schemeClr val="tx1"/>
                       </a:solidFill>
                       <a:prstDash val="solid"/>
                       <a:round/>
                       <a:headEnd type="none" w="med" len="med"/>
                       <a:tailEnd type="none" w="med" len="med"/>
                     </a:lnT>
-                    <a:lnB w="12700" cap="flat" cmpd="sng" algn="ctr">
+                    <a:lnB w="19050" cap="flat" cmpd="sng" algn="ctr">
                       <a:solidFill>
-                        <a:schemeClr val="bg1">
-                          <a:lumMod val="75000"/>
-                        </a:schemeClr>
+                        <a:schemeClr val="tx1"/>
                       </a:solidFill>
                       <a:prstDash val="solid"/>
                       <a:round/>
@@ -12064,44 +11984,36 @@
                     </a:p>
                   </a:txBody>
                   <a:tcPr anchor="ctr">
-                    <a:lnL w="12700" cap="flat" cmpd="sng" algn="ctr">
+                    <a:lnL w="19050" cap="flat" cmpd="sng" algn="ctr">
                       <a:solidFill>
-                        <a:schemeClr val="bg1">
-                          <a:lumMod val="75000"/>
-                        </a:schemeClr>
+                        <a:schemeClr val="tx1"/>
                       </a:solidFill>
                       <a:prstDash val="solid"/>
                       <a:round/>
                       <a:headEnd type="none" w="med" len="med"/>
                       <a:tailEnd type="none" w="med" len="med"/>
                     </a:lnL>
-                    <a:lnR w="12700" cap="flat" cmpd="sng" algn="ctr">
+                    <a:lnR w="19050" cap="flat" cmpd="sng" algn="ctr">
                       <a:solidFill>
-                        <a:schemeClr val="bg1">
-                          <a:lumMod val="75000"/>
-                        </a:schemeClr>
+                        <a:schemeClr val="tx1"/>
                       </a:solidFill>
                       <a:prstDash val="solid"/>
                       <a:round/>
                       <a:headEnd type="none" w="med" len="med"/>
                       <a:tailEnd type="none" w="med" len="med"/>
                     </a:lnR>
-                    <a:lnT w="12700" cap="flat" cmpd="sng" algn="ctr">
+                    <a:lnT w="19050" cap="flat" cmpd="sng" algn="ctr">
                       <a:solidFill>
-                        <a:schemeClr val="bg1">
-                          <a:lumMod val="75000"/>
-                        </a:schemeClr>
+                        <a:schemeClr val="tx1"/>
                       </a:solidFill>
                       <a:prstDash val="solid"/>
                       <a:round/>
                       <a:headEnd type="none" w="med" len="med"/>
                       <a:tailEnd type="none" w="med" len="med"/>
                     </a:lnT>
-                    <a:lnB w="12700" cap="flat" cmpd="sng" algn="ctr">
+                    <a:lnB w="19050" cap="flat" cmpd="sng" algn="ctr">
                       <a:solidFill>
-                        <a:schemeClr val="bg1">
-                          <a:lumMod val="75000"/>
-                        </a:schemeClr>
+                        <a:schemeClr val="tx1"/>
                       </a:solidFill>
                       <a:prstDash val="solid"/>
                       <a:round/>
@@ -12152,44 +12064,36 @@
                     </a:p>
                   </a:txBody>
                   <a:tcPr anchor="ctr">
-                    <a:lnL w="12700" cap="flat" cmpd="sng" algn="ctr">
+                    <a:lnL w="19050" cap="flat" cmpd="sng" algn="ctr">
                       <a:solidFill>
-                        <a:schemeClr val="bg1">
-                          <a:lumMod val="75000"/>
-                        </a:schemeClr>
+                        <a:schemeClr val="tx1"/>
                       </a:solidFill>
                       <a:prstDash val="solid"/>
                       <a:round/>
                       <a:headEnd type="none" w="med" len="med"/>
                       <a:tailEnd type="none" w="med" len="med"/>
                     </a:lnL>
-                    <a:lnR w="12700" cap="flat" cmpd="sng" algn="ctr">
+                    <a:lnR w="19050" cap="flat" cmpd="sng" algn="ctr">
                       <a:solidFill>
-                        <a:schemeClr val="bg1">
-                          <a:lumMod val="75000"/>
-                        </a:schemeClr>
+                        <a:schemeClr val="tx1"/>
                       </a:solidFill>
                       <a:prstDash val="solid"/>
                       <a:round/>
                       <a:headEnd type="none" w="med" len="med"/>
                       <a:tailEnd type="none" w="med" len="med"/>
                     </a:lnR>
-                    <a:lnT w="12700" cap="flat" cmpd="sng" algn="ctr">
+                    <a:lnT w="19050" cap="flat" cmpd="sng" algn="ctr">
                       <a:solidFill>
-                        <a:schemeClr val="bg1">
-                          <a:lumMod val="75000"/>
-                        </a:schemeClr>
+                        <a:schemeClr val="tx1"/>
                       </a:solidFill>
                       <a:prstDash val="solid"/>
                       <a:round/>
                       <a:headEnd type="none" w="med" len="med"/>
                       <a:tailEnd type="none" w="med" len="med"/>
                     </a:lnT>
-                    <a:lnB w="12700" cap="flat" cmpd="sng" algn="ctr">
+                    <a:lnB w="19050" cap="flat" cmpd="sng" algn="ctr">
                       <a:solidFill>
-                        <a:schemeClr val="bg1">
-                          <a:lumMod val="75000"/>
-                        </a:schemeClr>
+                        <a:schemeClr val="tx1"/>
                       </a:solidFill>
                       <a:prstDash val="solid"/>
                       <a:round/>
@@ -12274,44 +12178,36 @@
                     </a:p>
                   </a:txBody>
                   <a:tcPr anchor="ctr">
-                    <a:lnL w="12700" cap="flat" cmpd="sng" algn="ctr">
+                    <a:lnL w="19050" cap="flat" cmpd="sng" algn="ctr">
                       <a:solidFill>
-                        <a:schemeClr val="bg1">
-                          <a:lumMod val="75000"/>
-                        </a:schemeClr>
+                        <a:schemeClr val="tx1"/>
                       </a:solidFill>
                       <a:prstDash val="solid"/>
                       <a:round/>
                       <a:headEnd type="none" w="med" len="med"/>
                       <a:tailEnd type="none" w="med" len="med"/>
                     </a:lnL>
-                    <a:lnR w="12700" cap="flat" cmpd="sng" algn="ctr">
+                    <a:lnR w="19050" cap="flat" cmpd="sng" algn="ctr">
                       <a:solidFill>
-                        <a:schemeClr val="bg1">
-                          <a:lumMod val="75000"/>
-                        </a:schemeClr>
+                        <a:schemeClr val="tx1"/>
                       </a:solidFill>
                       <a:prstDash val="solid"/>
                       <a:round/>
                       <a:headEnd type="none" w="med" len="med"/>
                       <a:tailEnd type="none" w="med" len="med"/>
                     </a:lnR>
-                    <a:lnT w="12700" cap="flat" cmpd="sng" algn="ctr">
+                    <a:lnT w="19050" cap="flat" cmpd="sng" algn="ctr">
                       <a:solidFill>
-                        <a:schemeClr val="bg1">
-                          <a:lumMod val="75000"/>
-                        </a:schemeClr>
+                        <a:schemeClr val="tx1"/>
                       </a:solidFill>
                       <a:prstDash val="solid"/>
                       <a:round/>
                       <a:headEnd type="none" w="med" len="med"/>
                       <a:tailEnd type="none" w="med" len="med"/>
                     </a:lnT>
-                    <a:lnB w="12700" cap="flat" cmpd="sng" algn="ctr">
+                    <a:lnB w="19050" cap="flat" cmpd="sng" algn="ctr">
                       <a:solidFill>
-                        <a:schemeClr val="bg1">
-                          <a:lumMod val="75000"/>
-                        </a:schemeClr>
+                        <a:schemeClr val="tx1"/>
                       </a:solidFill>
                       <a:prstDash val="solid"/>
                       <a:round/>
@@ -12353,44 +12249,36 @@
                     </a:p>
                   </a:txBody>
                   <a:tcPr anchor="ctr">
-                    <a:lnL w="12700" cap="flat" cmpd="sng" algn="ctr">
+                    <a:lnL w="19050" cap="flat" cmpd="sng" algn="ctr">
                       <a:solidFill>
-                        <a:schemeClr val="bg1">
-                          <a:lumMod val="75000"/>
-                        </a:schemeClr>
+                        <a:schemeClr val="tx1"/>
                       </a:solidFill>
                       <a:prstDash val="solid"/>
                       <a:round/>
                       <a:headEnd type="none" w="med" len="med"/>
                       <a:tailEnd type="none" w="med" len="med"/>
                     </a:lnL>
-                    <a:lnR w="12700" cap="flat" cmpd="sng" algn="ctr">
+                    <a:lnR w="19050" cap="flat" cmpd="sng" algn="ctr">
                       <a:solidFill>
-                        <a:schemeClr val="bg1">
-                          <a:lumMod val="75000"/>
-                        </a:schemeClr>
+                        <a:schemeClr val="tx1"/>
                       </a:solidFill>
                       <a:prstDash val="solid"/>
                       <a:round/>
                       <a:headEnd type="none" w="med" len="med"/>
                       <a:tailEnd type="none" w="med" len="med"/>
                     </a:lnR>
-                    <a:lnT w="12700" cap="flat" cmpd="sng" algn="ctr">
+                    <a:lnT w="19050" cap="flat" cmpd="sng" algn="ctr">
                       <a:solidFill>
-                        <a:schemeClr val="bg1">
-                          <a:lumMod val="75000"/>
-                        </a:schemeClr>
+                        <a:schemeClr val="tx1"/>
                       </a:solidFill>
                       <a:prstDash val="solid"/>
                       <a:round/>
                       <a:headEnd type="none" w="med" len="med"/>
                       <a:tailEnd type="none" w="med" len="med"/>
                     </a:lnT>
-                    <a:lnB w="12700" cap="flat" cmpd="sng" algn="ctr">
+                    <a:lnB w="19050" cap="flat" cmpd="sng" algn="ctr">
                       <a:solidFill>
-                        <a:schemeClr val="bg1">
-                          <a:lumMod val="75000"/>
-                        </a:schemeClr>
+                        <a:schemeClr val="tx1"/>
                       </a:solidFill>
                       <a:prstDash val="solid"/>
                       <a:round/>
@@ -12435,44 +12323,36 @@
                     </a:p>
                   </a:txBody>
                   <a:tcPr anchor="ctr">
-                    <a:lnL w="12700" cap="flat" cmpd="sng" algn="ctr">
+                    <a:lnL w="19050" cap="flat" cmpd="sng" algn="ctr">
                       <a:solidFill>
-                        <a:schemeClr val="bg1">
-                          <a:lumMod val="75000"/>
-                        </a:schemeClr>
+                        <a:schemeClr val="tx1"/>
                       </a:solidFill>
                       <a:prstDash val="solid"/>
                       <a:round/>
                       <a:headEnd type="none" w="med" len="med"/>
                       <a:tailEnd type="none" w="med" len="med"/>
                     </a:lnL>
-                    <a:lnR w="12700" cap="flat" cmpd="sng" algn="ctr">
+                    <a:lnR w="19050" cap="flat" cmpd="sng" algn="ctr">
                       <a:solidFill>
-                        <a:schemeClr val="bg1">
-                          <a:lumMod val="75000"/>
-                        </a:schemeClr>
+                        <a:schemeClr val="tx1"/>
                       </a:solidFill>
                       <a:prstDash val="solid"/>
                       <a:round/>
                       <a:headEnd type="none" w="med" len="med"/>
                       <a:tailEnd type="none" w="med" len="med"/>
                     </a:lnR>
-                    <a:lnT w="12700" cap="flat" cmpd="sng" algn="ctr">
+                    <a:lnT w="19050" cap="flat" cmpd="sng" algn="ctr">
                       <a:solidFill>
-                        <a:schemeClr val="bg1">
-                          <a:lumMod val="75000"/>
-                        </a:schemeClr>
+                        <a:schemeClr val="tx1"/>
                       </a:solidFill>
                       <a:prstDash val="solid"/>
                       <a:round/>
                       <a:headEnd type="none" w="med" len="med"/>
                       <a:tailEnd type="none" w="med" len="med"/>
                     </a:lnT>
-                    <a:lnB w="12700" cap="flat" cmpd="sng" algn="ctr">
+                    <a:lnB w="19050" cap="flat" cmpd="sng" algn="ctr">
                       <a:solidFill>
-                        <a:schemeClr val="bg1">
-                          <a:lumMod val="75000"/>
-                        </a:schemeClr>
+                        <a:schemeClr val="tx1"/>
                       </a:solidFill>
                       <a:prstDash val="solid"/>
                       <a:round/>
@@ -12508,44 +12388,36 @@
                     </a:p>
                   </a:txBody>
                   <a:tcPr anchor="ctr">
-                    <a:lnL w="12700" cap="flat" cmpd="sng" algn="ctr">
+                    <a:lnL w="19050" cap="flat" cmpd="sng" algn="ctr">
                       <a:solidFill>
-                        <a:schemeClr val="bg1">
-                          <a:lumMod val="75000"/>
-                        </a:schemeClr>
+                        <a:schemeClr val="tx1"/>
                       </a:solidFill>
                       <a:prstDash val="solid"/>
                       <a:round/>
                       <a:headEnd type="none" w="med" len="med"/>
                       <a:tailEnd type="none" w="med" len="med"/>
                     </a:lnL>
-                    <a:lnR w="12700" cap="flat" cmpd="sng" algn="ctr">
+                    <a:lnR w="19050" cap="flat" cmpd="sng" algn="ctr">
                       <a:solidFill>
-                        <a:schemeClr val="bg1">
-                          <a:lumMod val="75000"/>
-                        </a:schemeClr>
+                        <a:schemeClr val="tx1"/>
                       </a:solidFill>
                       <a:prstDash val="solid"/>
                       <a:round/>
                       <a:headEnd type="none" w="med" len="med"/>
                       <a:tailEnd type="none" w="med" len="med"/>
                     </a:lnR>
-                    <a:lnT w="12700" cap="flat" cmpd="sng" algn="ctr">
+                    <a:lnT w="19050" cap="flat" cmpd="sng" algn="ctr">
                       <a:solidFill>
-                        <a:schemeClr val="bg1">
-                          <a:lumMod val="75000"/>
-                        </a:schemeClr>
+                        <a:schemeClr val="tx1"/>
                       </a:solidFill>
                       <a:prstDash val="solid"/>
                       <a:round/>
                       <a:headEnd type="none" w="med" len="med"/>
                       <a:tailEnd type="none" w="med" len="med"/>
                     </a:lnT>
-                    <a:lnB w="12700" cap="flat" cmpd="sng" algn="ctr">
+                    <a:lnB w="19050" cap="flat" cmpd="sng" algn="ctr">
                       <a:solidFill>
-                        <a:schemeClr val="bg1">
-                          <a:lumMod val="75000"/>
-                        </a:schemeClr>
+                        <a:schemeClr val="tx1"/>
                       </a:solidFill>
                       <a:prstDash val="solid"/>
                       <a:round/>
@@ -12610,44 +12482,36 @@
                     </a:p>
                   </a:txBody>
                   <a:tcPr anchor="ctr">
-                    <a:lnL w="12700" cap="flat" cmpd="sng" algn="ctr">
+                    <a:lnL w="19050" cap="flat" cmpd="sng" algn="ctr">
                       <a:solidFill>
-                        <a:schemeClr val="bg1">
-                          <a:lumMod val="75000"/>
-                        </a:schemeClr>
+                        <a:schemeClr val="tx1"/>
                       </a:solidFill>
                       <a:prstDash val="solid"/>
                       <a:round/>
                       <a:headEnd type="none" w="med" len="med"/>
                       <a:tailEnd type="none" w="med" len="med"/>
                     </a:lnL>
-                    <a:lnR w="12700" cap="flat" cmpd="sng" algn="ctr">
+                    <a:lnR w="19050" cap="flat" cmpd="sng" algn="ctr">
                       <a:solidFill>
-                        <a:schemeClr val="bg1">
-                          <a:lumMod val="75000"/>
-                        </a:schemeClr>
+                        <a:schemeClr val="tx1"/>
                       </a:solidFill>
                       <a:prstDash val="solid"/>
                       <a:round/>
                       <a:headEnd type="none" w="med" len="med"/>
                       <a:tailEnd type="none" w="med" len="med"/>
                     </a:lnR>
-                    <a:lnT w="12700" cap="flat" cmpd="sng" algn="ctr">
+                    <a:lnT w="19050" cap="flat" cmpd="sng" algn="ctr">
                       <a:solidFill>
-                        <a:schemeClr val="bg1">
-                          <a:lumMod val="75000"/>
-                        </a:schemeClr>
+                        <a:schemeClr val="tx1"/>
                       </a:solidFill>
                       <a:prstDash val="solid"/>
                       <a:round/>
                       <a:headEnd type="none" w="med" len="med"/>
                       <a:tailEnd type="none" w="med" len="med"/>
                     </a:lnT>
-                    <a:lnB w="12700" cap="flat" cmpd="sng" algn="ctr">
+                    <a:lnB w="19050" cap="flat" cmpd="sng" algn="ctr">
                       <a:solidFill>
-                        <a:schemeClr val="bg1">
-                          <a:lumMod val="75000"/>
-                        </a:schemeClr>
+                        <a:schemeClr val="tx1"/>
                       </a:solidFill>
                       <a:prstDash val="solid"/>
                       <a:round/>
